--- a/Documentation/Proyecto Transversal.pptx
+++ b/Documentation/Proyecto Transversal.pptx
@@ -195,6 +195,18 @@
 </p:presentation>
 </file>
 
+<file path=ppt/commentAuthors.xml><?xml version="1.0" encoding="utf-8"?>
+<p:cmAuthorLst xmlns:a="http://schemas.openxmlformats.org/drawingml/2006/main" xmlns:r="http://schemas.openxmlformats.org/officeDocument/2006/relationships" xmlns:p="http://schemas.openxmlformats.org/presentationml/2006/main">
+  <p:cmAuthor id="1" name="Diego Kiklas" initials="DK" lastIdx="1" clrIdx="0">
+    <p:extLst>
+      <p:ext uri="{19B8F6BF-5375-455C-9EA6-DF929625EA0E}">
+        <p15:presenceInfo xmlns:p15="http://schemas.microsoft.com/office/powerpoint/2012/main" userId="fa84916ceef67af2" providerId="Windows Live"/>
+      </p:ext>
+    </p:extLst>
+  </p:cmAuthor>
+</p:cmAuthorLst>
+</file>
+
 <file path=ppt/handoutMasters/handoutMaster1.xml><?xml version="1.0" encoding="utf-8"?>
 <p:handoutMaster xmlns:a="http://schemas.openxmlformats.org/drawingml/2006/main" xmlns:r="http://schemas.openxmlformats.org/officeDocument/2006/relationships" xmlns:p="http://schemas.openxmlformats.org/presentationml/2006/main">
   <p:cSld>
@@ -291,7 +303,7 @@
             <a:pPr rtl="0"/>
             <a:fld id="{5533067C-2384-41D2-8B82-9349FDE7AD9D}" type="datetime1">
               <a:rPr lang="es-ES" smtClean="0"/>
-              <a:t>10/06/2025</a:t>
+              <a:t>11/06/2025</a:t>
             </a:fld>
             <a:endParaRPr lang="es-ES" dirty="0"/>
           </a:p>
@@ -473,7 +485,7 @@
             <a:fld id="{FE487F61-0961-4A80-86AF-2E6D11CE3A9F}" type="datetime1">
               <a:rPr lang="es-ES" smtClean="0"/>
               <a:pPr/>
-              <a:t>10/06/2025</a:t>
+              <a:t>11/06/2025</a:t>
             </a:fld>
             <a:endParaRPr lang="es-ES" dirty="0"/>
           </a:p>
@@ -2291,7 +2303,7 @@
             <a:pPr rtl="0"/>
             <a:fld id="{AC000979-2889-44A0-943A-5F415C4781C5}" type="datetime1">
               <a:rPr lang="es-ES" noProof="0" smtClean="0"/>
-              <a:t>10/06/2025</a:t>
+              <a:t>11/06/2025</a:t>
             </a:fld>
             <a:endParaRPr lang="es-ES" noProof="0" dirty="0"/>
           </a:p>
@@ -2495,7 +2507,7 @@
             <a:pPr rtl="0"/>
             <a:fld id="{0DD36CE9-EEC4-4874-B1D4-9EBFE6E24EEC}" type="datetime1">
               <a:rPr lang="es-ES" noProof="0" smtClean="0"/>
-              <a:t>10/06/2025</a:t>
+              <a:t>11/06/2025</a:t>
             </a:fld>
             <a:endParaRPr lang="es-ES" noProof="0" dirty="0"/>
           </a:p>
@@ -2709,7 +2721,7 @@
             <a:pPr rtl="0"/>
             <a:fld id="{7E99F8BD-9441-4199-A6C5-D167D046C353}" type="datetime1">
               <a:rPr lang="es-ES" noProof="0" smtClean="0"/>
-              <a:t>10/06/2025</a:t>
+              <a:t>11/06/2025</a:t>
             </a:fld>
             <a:endParaRPr lang="es-ES" noProof="0" dirty="0"/>
           </a:p>
@@ -2913,7 +2925,7 @@
             <a:pPr rtl="0"/>
             <a:fld id="{A1169746-62B0-4C4C-9F13-A5156825957A}" type="datetime1">
               <a:rPr lang="es-ES" noProof="0" smtClean="0"/>
-              <a:t>10/06/2025</a:t>
+              <a:t>11/06/2025</a:t>
             </a:fld>
             <a:endParaRPr lang="es-ES" noProof="0" dirty="0"/>
           </a:p>
@@ -3193,7 +3205,7 @@
             <a:pPr rtl="0"/>
             <a:fld id="{310B3B31-77A7-4D36-BE04-4DAC511EA38F}" type="datetime1">
               <a:rPr lang="es-ES" noProof="0" smtClean="0"/>
-              <a:t>10/06/2025</a:t>
+              <a:t>11/06/2025</a:t>
             </a:fld>
             <a:endParaRPr lang="es-ES" noProof="0" dirty="0"/>
           </a:p>
@@ -3465,7 +3477,7 @@
             <a:pPr rtl="0"/>
             <a:fld id="{EBBBDF59-9B3C-4A10-BA4F-2A3C8273B4BC}" type="datetime1">
               <a:rPr lang="es-ES" noProof="0" smtClean="0"/>
-              <a:t>10/06/2025</a:t>
+              <a:t>11/06/2025</a:t>
             </a:fld>
             <a:endParaRPr lang="es-ES" noProof="0" dirty="0"/>
           </a:p>
@@ -3884,7 +3896,7 @@
             <a:pPr rtl="0"/>
             <a:fld id="{1D1A3812-A745-484C-AF3E-ADA4FCECA525}" type="datetime1">
               <a:rPr lang="es-ES" noProof="0" smtClean="0"/>
-              <a:t>10/06/2025</a:t>
+              <a:t>11/06/2025</a:t>
             </a:fld>
             <a:endParaRPr lang="es-ES" noProof="0" dirty="0"/>
           </a:p>
@@ -4030,7 +4042,7 @@
             <a:pPr rtl="0"/>
             <a:fld id="{8656F0A9-ADDC-4398-9912-C0DA0856F810}" type="datetime1">
               <a:rPr lang="es-ES" noProof="0" smtClean="0"/>
-              <a:t>10/06/2025</a:t>
+              <a:t>11/06/2025</a:t>
             </a:fld>
             <a:endParaRPr lang="es-ES" noProof="0" dirty="0"/>
           </a:p>
@@ -4146,7 +4158,7 @@
             <a:pPr rtl="0"/>
             <a:fld id="{92A7CAC9-48A6-4BCF-9418-1F6A28EC8EBB}" type="datetime1">
               <a:rPr lang="es-ES" noProof="0" smtClean="0"/>
-              <a:t>10/06/2025</a:t>
+              <a:t>11/06/2025</a:t>
             </a:fld>
             <a:endParaRPr lang="es-ES" noProof="0" dirty="0"/>
           </a:p>
@@ -4463,7 +4475,7 @@
             <a:pPr rtl="0"/>
             <a:fld id="{C06B1C0B-E4CC-45E7-9C32-2DA940381730}" type="datetime1">
               <a:rPr lang="es-ES" noProof="0" smtClean="0"/>
-              <a:t>10/06/2025</a:t>
+              <a:t>11/06/2025</a:t>
             </a:fld>
             <a:endParaRPr lang="es-ES" noProof="0" dirty="0"/>
           </a:p>
@@ -4761,7 +4773,7 @@
             <a:pPr rtl="0"/>
             <a:fld id="{955B6891-C143-4172-92F6-6CC978A536DA}" type="datetime1">
               <a:rPr lang="es-ES" noProof="0" smtClean="0"/>
-              <a:t>10/06/2025</a:t>
+              <a:t>11/06/2025</a:t>
             </a:fld>
             <a:endParaRPr lang="es-ES" noProof="0" dirty="0"/>
           </a:p>
@@ -5035,7 +5047,7 @@
             <a:pPr rtl="0"/>
             <a:fld id="{D936DC2C-AC49-478B-BCE9-682B72B7663B}" type="datetime1">
               <a:rPr lang="es-ES" noProof="0" smtClean="0"/>
-              <a:t>10/06/2025</a:t>
+              <a:t>11/06/2025</a:t>
             </a:fld>
             <a:endParaRPr lang="es-ES" noProof="0" dirty="0"/>
           </a:p>
@@ -6360,53 +6372,6 @@
           </a:p>
         </p:txBody>
       </p:sp>
-      <p:pic>
-        <p:nvPicPr>
-          <p:cNvPr id="1026" name="Picture 2">
-            <a:extLst>
-              <a:ext uri="{FF2B5EF4-FFF2-40B4-BE49-F238E27FC236}">
-                <a16:creationId xmlns:a16="http://schemas.microsoft.com/office/drawing/2014/main" id="{259D3217-ECFB-499C-9EBA-E469B6DB2EF9}"/>
-              </a:ext>
-            </a:extLst>
-          </p:cNvPr>
-          <p:cNvPicPr>
-            <a:picLocks noChangeAspect="1" noChangeArrowheads="1"/>
-          </p:cNvPicPr>
-          <p:nvPr/>
-        </p:nvPicPr>
-        <p:blipFill>
-          <a:blip r:embed="rId6">
-            <a:extLst>
-              <a:ext uri="{28A0092B-C50C-407E-A947-70E740481C1C}">
-                <a14:useLocalDpi xmlns:a14="http://schemas.microsoft.com/office/drawing/2010/main" val="0"/>
-              </a:ext>
-            </a:extLst>
-          </a:blip>
-          <a:srcRect/>
-          <a:stretch>
-            <a:fillRect/>
-          </a:stretch>
-        </p:blipFill>
-        <p:spPr bwMode="auto">
-          <a:xfrm>
-            <a:off x="1419744" y="979592"/>
-            <a:ext cx="4119540" cy="2850163"/>
-          </a:xfrm>
-          <a:prstGeom prst="rect">
-            <a:avLst/>
-          </a:prstGeom>
-          <a:noFill/>
-          <a:extLst>
-            <a:ext uri="{909E8E84-426E-40DD-AFC4-6F175D3DCCD1}">
-              <a14:hiddenFill xmlns:a14="http://schemas.microsoft.com/office/drawing/2010/main">
-                <a:solidFill>
-                  <a:srgbClr val="FFFFFF"/>
-                </a:solidFill>
-              </a14:hiddenFill>
-            </a:ext>
-          </a:extLst>
-        </p:spPr>
-      </p:pic>
       <p:sp>
         <p:nvSpPr>
           <p:cNvPr id="15" name="CuadroTexto 14">
@@ -6445,7 +6410,7 @@
                   </a:schemeClr>
                 </a:solidFill>
                 <a:latin typeface="Exo 2"/>
-                <a:hlinkClick r:id="rId7">
+                <a:hlinkClick r:id="rId6">
                   <a:extLst>
                     <a:ext uri="{A12FA001-AC4F-418D-AE19-62706E023703}">
                       <ahyp:hlinkClr xmlns:ahyp="http://schemas.microsoft.com/office/drawing/2018/hyperlinkcolor" val="tx"/>
@@ -6481,7 +6446,7 @@
           <p:nvPr/>
         </p:nvPicPr>
         <p:blipFill>
-          <a:blip r:embed="rId8"/>
+          <a:blip r:embed="rId7"/>
           <a:stretch>
             <a:fillRect/>
           </a:stretch>
@@ -6490,6 +6455,36 @@
           <a:xfrm>
             <a:off x="7529804" y="1204624"/>
             <a:ext cx="4134675" cy="4134675"/>
+          </a:xfrm>
+          <a:prstGeom prst="rect">
+            <a:avLst/>
+          </a:prstGeom>
+        </p:spPr>
+      </p:pic>
+      <p:pic>
+        <p:nvPicPr>
+          <p:cNvPr id="19" name="Imagen 18">
+            <a:extLst>
+              <a:ext uri="{FF2B5EF4-FFF2-40B4-BE49-F238E27FC236}">
+                <a16:creationId xmlns:a16="http://schemas.microsoft.com/office/drawing/2014/main" id="{20CE45FF-721D-A6F9-3192-3286541AAEEB}"/>
+              </a:ext>
+            </a:extLst>
+          </p:cNvPr>
+          <p:cNvPicPr>
+            <a:picLocks noChangeAspect="1"/>
+          </p:cNvPicPr>
+          <p:nvPr/>
+        </p:nvPicPr>
+        <p:blipFill>
+          <a:blip r:embed="rId8"/>
+          <a:stretch>
+            <a:fillRect/>
+          </a:stretch>
+        </p:blipFill>
+        <p:spPr>
+          <a:xfrm>
+            <a:off x="2147722" y="757425"/>
+            <a:ext cx="2514475" cy="3429000"/>
           </a:xfrm>
           <a:prstGeom prst="rect">
             <a:avLst/>
@@ -8666,8 +8661,8 @@
         </p:nvSpPr>
         <p:spPr>
           <a:xfrm>
-            <a:off x="347217" y="1310565"/>
-            <a:ext cx="7821037" cy="4549835"/>
+            <a:off x="467289" y="607236"/>
+            <a:ext cx="9160310" cy="5842497"/>
           </a:xfrm>
           <a:prstGeom prst="rect">
             <a:avLst/>
@@ -8695,7 +8690,7 @@
               <a:rPr lang="es-ES" sz="2800" dirty="0">
                 <a:latin typeface="Exo 2"/>
               </a:rPr>
-              <a:t>Integración de conocimientos en </a:t>
+              <a:t>Integración de tecnologías como </a:t>
             </a:r>
             <a:r>
               <a:rPr lang="es-ES" sz="2800" b="1" dirty="0">
@@ -8713,13 +8708,31 @@
               <a:rPr lang="es-ES" sz="2800" b="1" dirty="0">
                 <a:latin typeface="Exo 2"/>
               </a:rPr>
-              <a:t>, JavaScript, AJAX y bases de datos</a:t>
+              <a:t>, </a:t>
             </a:r>
             <a:r>
-              <a:rPr lang="es-ES" sz="2800" dirty="0">
+              <a:rPr lang="es-ES" sz="2800" b="1" dirty="0" err="1">
                 <a:latin typeface="Exo 2"/>
               </a:rPr>
-              <a:t>.</a:t>
+              <a:t>Thymeleaf</a:t>
+            </a:r>
+            <a:r>
+              <a:rPr lang="es-ES" sz="2800" b="1" dirty="0">
+                <a:latin typeface="Exo 2"/>
+              </a:rPr>
+              <a:t>, </a:t>
+            </a:r>
+            <a:r>
+              <a:rPr lang="es-ES" sz="2800" b="1" dirty="0" err="1">
+                <a:latin typeface="Exo 2"/>
+              </a:rPr>
+              <a:t>WebSockets</a:t>
+            </a:r>
+            <a:r>
+              <a:rPr lang="es-ES" sz="2800" b="1" dirty="0">
+                <a:latin typeface="Exo 2"/>
+              </a:rPr>
+              <a:t>, JavaScript y bases de datos relacionales.</a:t>
             </a:r>
           </a:p>
           <a:p>
@@ -8734,13 +8747,13 @@
               <a:rPr lang="es-ES" sz="2800" dirty="0">
                 <a:latin typeface="Exo 2"/>
               </a:rPr>
-              <a:t>Fomento del </a:t>
+              <a:t>Aplicación de</a:t>
             </a:r>
             <a:r>
               <a:rPr lang="es-ES" sz="2800" b="1" dirty="0">
                 <a:latin typeface="Exo 2"/>
               </a:rPr>
-              <a:t>trabajo en equipo, resolución de problemas y aprendizaje práctico en un tiempo limitado.</a:t>
+              <a:t> metodologías ágiles (Scrum/Kanban) tanto en la gestión del desarrollo como en la funcionalidad del sistema.</a:t>
             </a:r>
           </a:p>
           <a:p>
@@ -8755,56 +8768,26 @@
               <a:rPr lang="es-ES" sz="2800" dirty="0">
                 <a:latin typeface="Exo 2"/>
               </a:rPr>
-              <a:t>Diseño atractivo de juegos para mejorar la </a:t>
+              <a:t>Fomento de la </a:t>
             </a:r>
             <a:r>
               <a:rPr lang="es-ES" sz="2800" b="1" dirty="0">
                 <a:latin typeface="Exo 2"/>
               </a:rPr>
-              <a:t>jugabilidad</a:t>
+              <a:t>autonomía, resolución de problemas reales y capacidad de adaptación a requerimientos cambiantes.</a:t>
             </a:r>
-            <a:r>
-              <a:rPr lang="es-ES" sz="2800" dirty="0">
-                <a:latin typeface="Exo 2"/>
-              </a:rPr>
-              <a:t> y </a:t>
-            </a:r>
-            <a:r>
-              <a:rPr lang="es-ES" sz="2800" b="1" dirty="0">
-                <a:latin typeface="Exo 2"/>
-              </a:rPr>
-              <a:t>experiencia</a:t>
-            </a:r>
-            <a:r>
-              <a:rPr lang="es-ES" sz="2800" dirty="0">
-                <a:latin typeface="Exo 2"/>
-              </a:rPr>
-              <a:t> </a:t>
-            </a:r>
-            <a:r>
-              <a:rPr lang="es-ES" sz="2800" b="1" dirty="0">
-                <a:latin typeface="Exo 2"/>
-              </a:rPr>
-              <a:t>de</a:t>
-            </a:r>
-            <a:r>
-              <a:rPr lang="es-ES" sz="2800" dirty="0">
-                <a:latin typeface="Exo 2"/>
-              </a:rPr>
-              <a:t> </a:t>
-            </a:r>
-            <a:r>
-              <a:rPr lang="es-ES" sz="2800" b="1" dirty="0">
-                <a:latin typeface="Exo 2"/>
-              </a:rPr>
-              <a:t>usuario</a:t>
-            </a:r>
-            <a:r>
-              <a:rPr lang="es-ES" sz="2800" dirty="0">
-                <a:latin typeface="Exo 2"/>
-              </a:rPr>
-              <a:t>.</a:t>
-            </a:r>
+          </a:p>
+          <a:p>
+            <a:pPr marL="457200" indent="-457200" algn="just">
+              <a:lnSpc>
+                <a:spcPct val="150000"/>
+              </a:lnSpc>
+              <a:buFont typeface="Arial" panose="020B0604020202020204" pitchFamily="34" charset="0"/>
+              <a:buChar char="•"/>
+            </a:pPr>
+            <a:endParaRPr lang="es-ES" sz="2800" dirty="0">
+              <a:latin typeface="Exo 2"/>
+            </a:endParaRPr>
           </a:p>
         </p:txBody>
       </p:sp>
@@ -8830,8 +8813,8 @@
         </p:blipFill>
         <p:spPr>
           <a:xfrm>
-            <a:off x="8168254" y="1371999"/>
-            <a:ext cx="4119540" cy="4119540"/>
+            <a:off x="9627599" y="2070150"/>
+            <a:ext cx="2564401" cy="2564401"/>
           </a:xfrm>
           <a:prstGeom prst="rect">
             <a:avLst/>
@@ -9365,8 +9348,8 @@
         </p:nvSpPr>
         <p:spPr>
           <a:xfrm>
-            <a:off x="347217" y="1366461"/>
-            <a:ext cx="7821037" cy="4549835"/>
+            <a:off x="347217" y="1800413"/>
+            <a:ext cx="7821037" cy="3903504"/>
           </a:xfrm>
           <a:prstGeom prst="rect">
             <a:avLst/>
@@ -9394,7 +9377,7 @@
               <a:rPr lang="es-ES" sz="2800" dirty="0">
                 <a:latin typeface="Exo 2"/>
               </a:rPr>
-              <a:t>Integración de pasarela de pago real.</a:t>
+              <a:t>Versión premium.</a:t>
             </a:r>
           </a:p>
           <a:p>
@@ -9409,7 +9392,7 @@
               <a:rPr lang="es-ES" sz="2800" dirty="0">
                 <a:latin typeface="Exo 2"/>
               </a:rPr>
-              <a:t>Validación tarjeta de crédito con API haciendo cargo de 0€.</a:t>
+              <a:t>Mas metodologías de desarrollo.</a:t>
             </a:r>
           </a:p>
           <a:p>
@@ -9424,22 +9407,31 @@
               <a:rPr lang="es-ES" sz="2800" dirty="0">
                 <a:latin typeface="Exo 2"/>
               </a:rPr>
-              <a:t>Mejoras de diseño en UI/UX para mayor atractivo y usabilidad.</a:t>
+              <a:t>Mas funcionalidad en scrum como integración de </a:t>
             </a:r>
-          </a:p>
-          <a:p>
-            <a:pPr marL="457200" indent="-457200" algn="just">
-              <a:lnSpc>
-                <a:spcPct val="150000"/>
-              </a:lnSpc>
-              <a:buFont typeface="Arial" panose="020B0604020202020204" pitchFamily="34" charset="0"/>
-              <a:buChar char="•"/>
-            </a:pPr>
+            <a:r>
+              <a:rPr lang="es-ES" sz="2800" dirty="0" err="1">
+                <a:latin typeface="Exo 2"/>
+              </a:rPr>
+              <a:t>planning</a:t>
+            </a:r>
             <a:r>
               <a:rPr lang="es-ES" sz="2800" dirty="0">
                 <a:latin typeface="Exo 2"/>
               </a:rPr>
-              <a:t>Ampliar catálogo de juegos.</a:t>
+              <a:t> </a:t>
+            </a:r>
+            <a:r>
+              <a:rPr lang="es-ES" sz="2800" dirty="0" err="1">
+                <a:latin typeface="Exo 2"/>
+              </a:rPr>
+              <a:t>poker</a:t>
+            </a:r>
+            <a:r>
+              <a:rPr lang="es-ES" sz="2800" dirty="0">
+                <a:latin typeface="Exo 2"/>
+              </a:rPr>
+              <a:t>.</a:t>
             </a:r>
           </a:p>
           <a:p>
@@ -9455,6 +9447,33 @@
                 <a:latin typeface="Exo 2"/>
               </a:rPr>
               <a:t>Adaptable a mas dispositivos.</a:t>
+            </a:r>
+          </a:p>
+          <a:p>
+            <a:pPr marL="457200" indent="-457200" algn="just">
+              <a:lnSpc>
+                <a:spcPct val="150000"/>
+              </a:lnSpc>
+              <a:buFont typeface="Arial" panose="020B0604020202020204" pitchFamily="34" charset="0"/>
+              <a:buChar char="•"/>
+            </a:pPr>
+            <a:r>
+              <a:rPr lang="es-ES" sz="2800" dirty="0">
+                <a:latin typeface="Exo 2"/>
+              </a:rPr>
+              <a:t>Mejor </a:t>
+            </a:r>
+            <a:r>
+              <a:rPr lang="es-ES" sz="2800" dirty="0" err="1">
+                <a:latin typeface="Exo 2"/>
+              </a:rPr>
+              <a:t>modularización</a:t>
+            </a:r>
+            <a:r>
+              <a:rPr lang="es-ES" sz="2800" dirty="0">
+                <a:latin typeface="Exo 2"/>
+              </a:rPr>
+              <a:t> y optimización </a:t>
             </a:r>
           </a:p>
         </p:txBody>
